--- a/topic02/talk-1/dataDiscovery.pptx
+++ b/topic02/talk-1/dataDiscovery.pptx
@@ -131,10 +131,21 @@
   </p:defaultTextStyle>
   <p:extLst>
     <p:ext uri="{EFAFB233-063F-42B5-8137-9DF3F51BA10A}">
-      <p15:sldGuideLst xmlns="" xmlns:p15="http://schemas.microsoft.com/office/powerpoint/2012/main"/>
+      <p15:sldGuideLst xmlns:p15="http://schemas.microsoft.com/office/powerpoint/2012/main">
+        <p15:guide id="1" orient="horz" pos="2160">
+          <p15:clr>
+            <a:srgbClr val="A4A3A4"/>
+          </p15:clr>
+        </p15:guide>
+        <p15:guide id="2" pos="3840">
+          <p15:clr>
+            <a:srgbClr val="A4A3A4"/>
+          </p15:clr>
+        </p15:guide>
+      </p15:sldGuideLst>
     </p:ext>
     <p:ext uri="{2D200454-40CA-4A62-9FC3-DE9A4176ACB9}">
-      <p15:notesGuideLst xmlns="" xmlns:p15="http://schemas.microsoft.com/office/powerpoint/2012/main"/>
+      <p15:notesGuideLst xmlns:p15="http://schemas.microsoft.com/office/powerpoint/2012/main"/>
     </p:ext>
   </p:extLst>
 </p:presentation>
@@ -222,7 +233,7 @@
           <a:p>
             <a:fld id="{09FC0EEF-F767-48C6-98F2-DB2445964FB9}" type="datetimeFigureOut">
               <a:rPr lang="en-IE" smtClean="0"/>
-              <a:t>26/01/2015</a:t>
+              <a:t>24/01/2016</a:t>
             </a:fld>
             <a:endParaRPr lang="en-IE"/>
           </a:p>
@@ -2863,7 +2874,7 @@
           <a:p>
             <a:fld id="{378ED7A2-2E3E-4ACB-91F9-B3C67FF01AD7}" type="datetimeFigureOut">
               <a:rPr lang="en-IE" smtClean="0"/>
-              <a:t>26/01/2015</a:t>
+              <a:t>24/01/2016</a:t>
             </a:fld>
             <a:endParaRPr lang="en-IE"/>
           </a:p>
@@ -3501,7 +3512,7 @@
           <a:p>
             <a:fld id="{378ED7A2-2E3E-4ACB-91F9-B3C67FF01AD7}" type="datetimeFigureOut">
               <a:rPr lang="en-IE" smtClean="0"/>
-              <a:t>26/01/2015</a:t>
+              <a:t>24/01/2016</a:t>
             </a:fld>
             <a:endParaRPr lang="en-IE"/>
           </a:p>
@@ -3783,7 +3794,7 @@
           <a:p>
             <a:fld id="{378ED7A2-2E3E-4ACB-91F9-B3C67FF01AD7}" type="datetimeFigureOut">
               <a:rPr lang="en-IE" smtClean="0"/>
-              <a:t>26/01/2015</a:t>
+              <a:t>24/01/2016</a:t>
             </a:fld>
             <a:endParaRPr lang="en-IE"/>
           </a:p>
@@ -4148,7 +4159,7 @@
           <a:p>
             <a:fld id="{378ED7A2-2E3E-4ACB-91F9-B3C67FF01AD7}" type="datetimeFigureOut">
               <a:rPr lang="en-IE" smtClean="0"/>
-              <a:t>26/01/2015</a:t>
+              <a:t>24/01/2016</a:t>
             </a:fld>
             <a:endParaRPr lang="en-IE"/>
           </a:p>
@@ -4334,7 +4345,7 @@
           <a:p>
             <a:fld id="{378ED7A2-2E3E-4ACB-91F9-B3C67FF01AD7}" type="datetimeFigureOut">
               <a:rPr lang="en-IE" smtClean="0"/>
-              <a:t>26/01/2015</a:t>
+              <a:t>24/01/2016</a:t>
             </a:fld>
             <a:endParaRPr lang="en-IE"/>
           </a:p>
@@ -4984,7 +4995,7 @@
           <a:p>
             <a:fld id="{378ED7A2-2E3E-4ACB-91F9-B3C67FF01AD7}" type="datetimeFigureOut">
               <a:rPr lang="en-IE" smtClean="0"/>
-              <a:t>26/01/2015</a:t>
+              <a:t>24/01/2016</a:t>
             </a:fld>
             <a:endParaRPr lang="en-IE"/>
           </a:p>
@@ -5415,7 +5426,7 @@
           <a:p>
             <a:fld id="{378ED7A2-2E3E-4ACB-91F9-B3C67FF01AD7}" type="datetimeFigureOut">
               <a:rPr lang="en-IE" smtClean="0"/>
-              <a:t>26/01/2015</a:t>
+              <a:t>24/01/2016</a:t>
             </a:fld>
             <a:endParaRPr lang="en-IE"/>
           </a:p>
@@ -5533,7 +5544,7 @@
           <a:p>
             <a:fld id="{378ED7A2-2E3E-4ACB-91F9-B3C67FF01AD7}" type="datetimeFigureOut">
               <a:rPr lang="en-IE" smtClean="0"/>
-              <a:t>26/01/2015</a:t>
+              <a:t>24/01/2016</a:t>
             </a:fld>
             <a:endParaRPr lang="en-IE"/>
           </a:p>
@@ -5719,7 +5730,7 @@
           <a:p>
             <a:fld id="{378ED7A2-2E3E-4ACB-91F9-B3C67FF01AD7}" type="datetimeFigureOut">
               <a:rPr lang="en-IE" smtClean="0"/>
-              <a:t>26/01/2015</a:t>
+              <a:t>24/01/2016</a:t>
             </a:fld>
             <a:endParaRPr lang="en-IE"/>
           </a:p>
@@ -5990,7 +6001,7 @@
           <a:p>
             <a:fld id="{378ED7A2-2E3E-4ACB-91F9-B3C67FF01AD7}" type="datetimeFigureOut">
               <a:rPr lang="en-IE" smtClean="0"/>
-              <a:t>26/01/2015</a:t>
+              <a:t>24/01/2016</a:t>
             </a:fld>
             <a:endParaRPr lang="en-IE"/>
           </a:p>
@@ -6465,7 +6476,7 @@
           <a:p>
             <a:fld id="{378ED7A2-2E3E-4ACB-91F9-B3C67FF01AD7}" type="datetimeFigureOut">
               <a:rPr lang="en-IE" smtClean="0"/>
-              <a:t>26/01/2015</a:t>
+              <a:t>24/01/2016</a:t>
             </a:fld>
             <a:endParaRPr lang="en-IE"/>
           </a:p>
@@ -7030,7 +7041,7 @@
           <a:p>
             <a:fld id="{378ED7A2-2E3E-4ACB-91F9-B3C67FF01AD7}" type="datetimeFigureOut">
               <a:rPr lang="en-IE" smtClean="0"/>
-              <a:t>26/01/2015</a:t>
+              <a:t>24/01/2016</a:t>
             </a:fld>
             <a:endParaRPr lang="en-IE"/>
           </a:p>
@@ -7770,12 +7781,9 @@
             </a:br>
             <a:r>
               <a:rPr lang="en-US" dirty="0" smtClean="0"/>
-              <a:t>Using a Different Coding  </a:t>
-            </a:r>
-            <a:r>
-              <a:rPr lang="en-US" sz="2200" dirty="0"/>
-              <a:t>(slide 3 of 5)</a:t>
-            </a:r>
+              <a:t>Using a Different Coding </a:t>
+            </a:r>
+            <a:endParaRPr lang="en-US" sz="2200" dirty="0"/>
           </a:p>
         </p:txBody>
       </p:sp>
@@ -11210,13 +11218,21 @@
           <a:p>
             <a:r>
               <a:rPr lang="en-US" dirty="0" smtClean="0"/>
-              <a:t>Include a row that lists variable names.</a:t>
-            </a:r>
-          </a:p>
-          <a:p>
+              <a:t>Includes </a:t>
+            </a:r>
             <a:r>
               <a:rPr lang="en-US" dirty="0" smtClean="0"/>
-              <a:t>Include a column that shows an index of the observation.</a:t>
+              <a:t>a row that lists variable names.</a:t>
+            </a:r>
+          </a:p>
+          <a:p>
+            <a:r>
+              <a:rPr lang="en-US" dirty="0" smtClean="0"/>
+              <a:t>Includes </a:t>
+            </a:r>
+            <a:r>
+              <a:rPr lang="en-US" dirty="0" smtClean="0"/>
+              <a:t>a column that shows an index of the observation.</a:t>
             </a:r>
           </a:p>
           <a:p>
@@ -11720,7 +11736,7 @@
   <a:extraClrSchemeLst/>
   <a:extLst>
     <a:ext uri="{05A4C25C-085E-4340-85A3-A5531E510DB2}">
-      <thm15:themeFamily xmlns="" xmlns:thm15="http://schemas.microsoft.com/office/thememl/2012/main" name="analytic" id="{9A28554E-78CD-4F85-AE53-59AAB432ED69}" vid="{CA8F7F4E-8027-487E-91E4-E9646DCEB1B6}"/>
+      <thm15:themeFamily xmlns:thm15="http://schemas.microsoft.com/office/thememl/2012/main" name="analytic" id="{9A28554E-78CD-4F85-AE53-59AAB432ED69}" vid="{CA8F7F4E-8027-487E-91E4-E9646DCEB1B6}"/>
     </a:ext>
   </a:extLst>
 </a:theme>
@@ -11981,7 +11997,7 @@
   <a:extraClrSchemeLst/>
   <a:extLst>
     <a:ext uri="{05A4C25C-085E-4340-85A3-A5531E510DB2}">
-      <thm15:themeFamily xmlns="" xmlns:thm15="http://schemas.microsoft.com/office/thememl/2012/main" name="Office Theme" id="{62F939B6-93AF-4DB8-9C6B-D6C7DFDC589F}" vid="{4A3C46E8-61CC-4603-A589-7422A47A8E4A}"/>
+      <thm15:themeFamily xmlns:thm15="http://schemas.microsoft.com/office/thememl/2012/main" name="Office Theme" id="{62F939B6-93AF-4DB8-9C6B-D6C7DFDC589F}" vid="{4A3C46E8-61CC-4603-A589-7422A47A8E4A}"/>
     </a:ext>
   </a:extLst>
 </a:theme>
